--- a/Report/PreColorVisualizer.pptx
+++ b/Report/PreColorVisualizer.pptx
@@ -12,10 +12,16 @@
     <p:sldId id="260" r:id="rId6"/>
     <p:sldId id="261" r:id="rId7"/>
     <p:sldId id="262" r:id="rId8"/>
-    <p:sldId id="263" r:id="rId9"/>
-    <p:sldId id="264" r:id="rId10"/>
-    <p:sldId id="265" r:id="rId11"/>
-    <p:sldId id="266" r:id="rId12"/>
+    <p:sldId id="267" r:id="rId9"/>
+    <p:sldId id="268" r:id="rId10"/>
+    <p:sldId id="269" r:id="rId11"/>
+    <p:sldId id="270" r:id="rId12"/>
+    <p:sldId id="271" r:id="rId13"/>
+    <p:sldId id="272" r:id="rId14"/>
+    <p:sldId id="263" r:id="rId15"/>
+    <p:sldId id="264" r:id="rId16"/>
+    <p:sldId id="265" r:id="rId17"/>
+    <p:sldId id="266" r:id="rId18"/>
   </p:sldIdLst>
   <p:sldSz cx="9144000" cy="6858000" type="screen4x3"/>
   <p:notesSz cx="6858000" cy="9144000"/>
@@ -114,6 +120,22 @@
       </a:defRPr>
     </a:lvl9pPr>
   </p:defaultTextStyle>
+  <p:extLst>
+    <p:ext uri="{EFAFB233-063F-42B5-8137-9DF3F51BA10A}">
+      <p15:sldGuideLst xmlns:p15="http://schemas.microsoft.com/office/powerpoint/2012/main">
+        <p15:guide id="1" orient="horz" pos="2160">
+          <p15:clr>
+            <a:srgbClr val="A4A3A4"/>
+          </p15:clr>
+        </p15:guide>
+        <p15:guide id="2" pos="2880">
+          <p15:clr>
+            <a:srgbClr val="A4A3A4"/>
+          </p15:clr>
+        </p15:guide>
+      </p15:sldGuideLst>
+    </p:ext>
+  </p:extLst>
 </p:presentation>
 </file>
 
@@ -309,7 +331,7 @@
           <a:p>
             <a:fld id="{EBCE049A-630E-4EFF-9EFE-12F73A42F011}" type="datetimeFigureOut">
               <a:rPr lang="en-US" smtClean="0"/>
-              <a:t>4/18/2015</a:t>
+              <a:t>5/2/2015</a:t>
             </a:fld>
             <a:endParaRPr lang="en-US"/>
           </a:p>
@@ -474,7 +496,7 @@
           <a:p>
             <a:fld id="{EBCE049A-630E-4EFF-9EFE-12F73A42F011}" type="datetimeFigureOut">
               <a:rPr lang="en-US" smtClean="0"/>
-              <a:t>4/18/2015</a:t>
+              <a:t>5/2/2015</a:t>
             </a:fld>
             <a:endParaRPr lang="en-US"/>
           </a:p>
@@ -649,7 +671,7 @@
           <a:p>
             <a:fld id="{EBCE049A-630E-4EFF-9EFE-12F73A42F011}" type="datetimeFigureOut">
               <a:rPr lang="en-US" smtClean="0"/>
-              <a:t>4/18/2015</a:t>
+              <a:t>5/2/2015</a:t>
             </a:fld>
             <a:endParaRPr lang="en-US"/>
           </a:p>
@@ -832,7 +854,7 @@
           <a:p>
             <a:fld id="{EBCE049A-630E-4EFF-9EFE-12F73A42F011}" type="datetimeFigureOut">
               <a:rPr lang="en-US" smtClean="0"/>
-              <a:t>4/18/2015</a:t>
+              <a:t>5/2/2015</a:t>
             </a:fld>
             <a:endParaRPr lang="en-US"/>
           </a:p>
@@ -1094,7 +1116,7 @@
           <a:p>
             <a:fld id="{EBCE049A-630E-4EFF-9EFE-12F73A42F011}" type="datetimeFigureOut">
               <a:rPr lang="en-US" smtClean="0"/>
-              <a:t>4/18/2015</a:t>
+              <a:t>5/2/2015</a:t>
             </a:fld>
             <a:endParaRPr lang="en-US"/>
           </a:p>
@@ -1442,7 +1464,7 @@
           <a:p>
             <a:fld id="{EBCE049A-630E-4EFF-9EFE-12F73A42F011}" type="datetimeFigureOut">
               <a:rPr lang="en-US" smtClean="0"/>
-              <a:t>4/18/2015</a:t>
+              <a:t>5/2/2015</a:t>
             </a:fld>
             <a:endParaRPr lang="en-US"/>
           </a:p>
@@ -1750,7 +1772,7 @@
           <a:p>
             <a:fld id="{EBCE049A-630E-4EFF-9EFE-12F73A42F011}" type="datetimeFigureOut">
               <a:rPr lang="en-US" smtClean="0"/>
-              <a:t>4/18/2015</a:t>
+              <a:t>5/2/2015</a:t>
             </a:fld>
             <a:endParaRPr lang="en-US"/>
           </a:p>
@@ -1977,7 +1999,7 @@
           <a:p>
             <a:fld id="{EBCE049A-630E-4EFF-9EFE-12F73A42F011}" type="datetimeFigureOut">
               <a:rPr lang="en-US" smtClean="0"/>
-              <a:t>4/18/2015</a:t>
+              <a:t>5/2/2015</a:t>
             </a:fld>
             <a:endParaRPr lang="en-US"/>
           </a:p>
@@ -2067,7 +2089,7 @@
           <a:p>
             <a:fld id="{EBCE049A-630E-4EFF-9EFE-12F73A42F011}" type="datetimeFigureOut">
               <a:rPr lang="en-US" smtClean="0"/>
-              <a:t>4/18/2015</a:t>
+              <a:t>5/2/2015</a:t>
             </a:fld>
             <a:endParaRPr lang="en-US"/>
           </a:p>
@@ -2355,7 +2377,7 @@
           <a:p>
             <a:fld id="{EBCE049A-630E-4EFF-9EFE-12F73A42F011}" type="datetimeFigureOut">
               <a:rPr lang="en-US" smtClean="0"/>
-              <a:t>4/18/2015</a:t>
+              <a:t>5/2/2015</a:t>
             </a:fld>
             <a:endParaRPr lang="en-US"/>
           </a:p>
@@ -2624,7 +2646,7 @@
           <a:p>
             <a:fld id="{EBCE049A-630E-4EFF-9EFE-12F73A42F011}" type="datetimeFigureOut">
               <a:rPr lang="en-US" smtClean="0"/>
-              <a:t>4/18/2015</a:t>
+              <a:t>5/2/2015</a:t>
             </a:fld>
             <a:endParaRPr lang="en-US"/>
           </a:p>
@@ -2834,7 +2856,7 @@
           <a:p>
             <a:fld id="{EBCE049A-630E-4EFF-9EFE-12F73A42F011}" type="datetimeFigureOut">
               <a:rPr lang="en-US" smtClean="0"/>
-              <a:t>4/18/2015</a:t>
+              <a:t>5/2/2015</a:t>
             </a:fld>
             <a:endParaRPr lang="en-US"/>
           </a:p>
@@ -3692,6 +3714,701 @@
           <a:chExt cx="0" cy="0"/>
         </a:xfrm>
       </p:grpSpPr>
+      <p:sp>
+        <p:nvSpPr>
+          <p:cNvPr id="2" name="Title 1"/>
+          <p:cNvSpPr>
+            <a:spLocks noGrp="1"/>
+          </p:cNvSpPr>
+          <p:nvPr>
+            <p:ph type="title"/>
+          </p:nvPr>
+        </p:nvSpPr>
+        <p:spPr/>
+        <p:txBody>
+          <a:bodyPr/>
+          <a:lstStyle/>
+          <a:p>
+            <a:r>
+              <a:rPr lang="en-US" dirty="0" smtClean="0"/>
+              <a:t>Features</a:t>
+            </a:r>
+            <a:endParaRPr lang="en-US" dirty="0"/>
+          </a:p>
+        </p:txBody>
+      </p:sp>
+      <p:sp>
+        <p:nvSpPr>
+          <p:cNvPr id="3" name="Content Placeholder 2"/>
+          <p:cNvSpPr>
+            <a:spLocks noGrp="1"/>
+          </p:cNvSpPr>
+          <p:nvPr>
+            <p:ph idx="1"/>
+          </p:nvPr>
+        </p:nvSpPr>
+        <p:spPr/>
+        <p:txBody>
+          <a:bodyPr/>
+          <a:lstStyle/>
+          <a:p>
+            <a:r>
+              <a:rPr lang="en-US" dirty="0">
+                <a:solidFill>
+                  <a:schemeClr val="tx1"/>
+                </a:solidFill>
+              </a:rPr>
+              <a:t>Some of the features of this application are for user interface and easy to handle the application.</a:t>
+            </a:r>
+          </a:p>
+          <a:p>
+            <a:pPr lvl="0"/>
+            <a:r>
+              <a:rPr lang="en-US" dirty="0">
+                <a:solidFill>
+                  <a:schemeClr val="tx1"/>
+                </a:solidFill>
+              </a:rPr>
+              <a:t>Detection of different objects (walls, doors, ceilings, etc.) in an automatic manner.</a:t>
+            </a:r>
+          </a:p>
+          <a:p>
+            <a:pPr lvl="0"/>
+            <a:r>
+              <a:rPr lang="en-US" dirty="0">
+                <a:solidFill>
+                  <a:schemeClr val="tx1"/>
+                </a:solidFill>
+              </a:rPr>
+              <a:t>Ability to choose colors from a variety of different option and apply them to the detected objects.</a:t>
+            </a:r>
+          </a:p>
+          <a:p>
+            <a:pPr lvl="0"/>
+            <a:r>
+              <a:rPr lang="en-US" dirty="0">
+                <a:solidFill>
+                  <a:schemeClr val="tx1"/>
+                </a:solidFill>
+              </a:rPr>
+              <a:t>Ability to apply colors according to the light intensity for more </a:t>
+            </a:r>
+            <a:r>
+              <a:rPr lang="en-US" dirty="0"/>
+              <a:t>realistic visualization.</a:t>
+            </a:r>
+          </a:p>
+        </p:txBody>
+      </p:sp>
+    </p:spTree>
+    <p:extLst>
+      <p:ext uri="{BB962C8B-B14F-4D97-AF65-F5344CB8AC3E}">
+        <p14:creationId xmlns:p14="http://schemas.microsoft.com/office/powerpoint/2010/main" val="4173792672"/>
+      </p:ext>
+    </p:extLst>
+  </p:cSld>
+  <p:clrMapOvr>
+    <a:masterClrMapping/>
+  </p:clrMapOvr>
+</p:sld>
+</file>
+
+<file path=ppt/slides/slide11.xml><?xml version="1.0" encoding="utf-8"?>
+<p:sld xmlns:a="http://schemas.openxmlformats.org/drawingml/2006/main" xmlns:r="http://schemas.openxmlformats.org/officeDocument/2006/relationships" xmlns:p="http://schemas.openxmlformats.org/presentationml/2006/main">
+  <p:cSld>
+    <p:spTree>
+      <p:nvGrpSpPr>
+        <p:cNvPr id="1" name=""/>
+        <p:cNvGrpSpPr/>
+        <p:nvPr/>
+      </p:nvGrpSpPr>
+      <p:grpSpPr>
+        <a:xfrm>
+          <a:off x="0" y="0"/>
+          <a:ext cx="0" cy="0"/>
+          <a:chOff x="0" y="0"/>
+          <a:chExt cx="0" cy="0"/>
+        </a:xfrm>
+      </p:grpSpPr>
+      <p:sp>
+        <p:nvSpPr>
+          <p:cNvPr id="2" name="Title 1"/>
+          <p:cNvSpPr>
+            <a:spLocks noGrp="1"/>
+          </p:cNvSpPr>
+          <p:nvPr>
+            <p:ph type="title"/>
+          </p:nvPr>
+        </p:nvSpPr>
+        <p:spPr/>
+        <p:txBody>
+          <a:bodyPr/>
+          <a:lstStyle/>
+          <a:p>
+            <a:r>
+              <a:rPr lang="en-US" dirty="0" smtClean="0"/>
+              <a:t>Overview of the Model</a:t>
+            </a:r>
+            <a:endParaRPr lang="en-US" dirty="0"/>
+          </a:p>
+        </p:txBody>
+      </p:sp>
+      <p:sp>
+        <p:nvSpPr>
+          <p:cNvPr id="3" name="Content Placeholder 2"/>
+          <p:cNvSpPr>
+            <a:spLocks noGrp="1"/>
+          </p:cNvSpPr>
+          <p:nvPr>
+            <p:ph idx="1"/>
+          </p:nvPr>
+        </p:nvSpPr>
+        <p:spPr/>
+        <p:txBody>
+          <a:bodyPr/>
+          <a:lstStyle/>
+          <a:p>
+            <a:endParaRPr lang="en-US"/>
+          </a:p>
+        </p:txBody>
+      </p:sp>
+      <p:pic>
+        <p:nvPicPr>
+          <p:cNvPr id="4" name="Picture 3"/>
+          <p:cNvPicPr/>
+          <p:nvPr/>
+        </p:nvPicPr>
+        <p:blipFill>
+          <a:blip r:embed="rId2" cstate="print">
+            <a:extLst>
+              <a:ext uri="{28A0092B-C50C-407E-A947-70E740481C1C}">
+                <a14:useLocalDpi xmlns:a14="http://schemas.microsoft.com/office/drawing/2010/main" val="0"/>
+              </a:ext>
+            </a:extLst>
+          </a:blip>
+          <a:stretch>
+            <a:fillRect/>
+          </a:stretch>
+        </p:blipFill>
+        <p:spPr>
+          <a:xfrm>
+            <a:off x="492369" y="1676400"/>
+            <a:ext cx="8042031" cy="4343400"/>
+          </a:xfrm>
+          <a:prstGeom prst="rect">
+            <a:avLst/>
+          </a:prstGeom>
+        </p:spPr>
+      </p:pic>
+    </p:spTree>
+    <p:extLst>
+      <p:ext uri="{BB962C8B-B14F-4D97-AF65-F5344CB8AC3E}">
+        <p14:creationId xmlns:p14="http://schemas.microsoft.com/office/powerpoint/2010/main" val="243465091"/>
+      </p:ext>
+    </p:extLst>
+  </p:cSld>
+  <p:clrMapOvr>
+    <a:masterClrMapping/>
+  </p:clrMapOvr>
+</p:sld>
+</file>
+
+<file path=ppt/slides/slide12.xml><?xml version="1.0" encoding="utf-8"?>
+<p:sld xmlns:a="http://schemas.openxmlformats.org/drawingml/2006/main" xmlns:r="http://schemas.openxmlformats.org/officeDocument/2006/relationships" xmlns:p="http://schemas.openxmlformats.org/presentationml/2006/main">
+  <p:cSld>
+    <p:spTree>
+      <p:nvGrpSpPr>
+        <p:cNvPr id="1" name=""/>
+        <p:cNvGrpSpPr/>
+        <p:nvPr/>
+      </p:nvGrpSpPr>
+      <p:grpSpPr>
+        <a:xfrm>
+          <a:off x="0" y="0"/>
+          <a:ext cx="0" cy="0"/>
+          <a:chOff x="0" y="0"/>
+          <a:chExt cx="0" cy="0"/>
+        </a:xfrm>
+      </p:grpSpPr>
+      <p:sp>
+        <p:nvSpPr>
+          <p:cNvPr id="2" name="Title 1"/>
+          <p:cNvSpPr>
+            <a:spLocks noGrp="1"/>
+          </p:cNvSpPr>
+          <p:nvPr>
+            <p:ph type="title"/>
+          </p:nvPr>
+        </p:nvSpPr>
+        <p:spPr/>
+        <p:txBody>
+          <a:bodyPr/>
+          <a:lstStyle/>
+          <a:p>
+            <a:r>
+              <a:rPr lang="en-US" dirty="0" smtClean="0"/>
+              <a:t>Implementation</a:t>
+            </a:r>
+            <a:endParaRPr lang="en-US" dirty="0"/>
+          </a:p>
+        </p:txBody>
+      </p:sp>
+      <p:sp>
+        <p:nvSpPr>
+          <p:cNvPr id="3" name="Content Placeholder 2"/>
+          <p:cNvSpPr>
+            <a:spLocks noGrp="1"/>
+          </p:cNvSpPr>
+          <p:nvPr>
+            <p:ph idx="1"/>
+          </p:nvPr>
+        </p:nvSpPr>
+        <p:spPr/>
+        <p:txBody>
+          <a:bodyPr/>
+          <a:lstStyle/>
+          <a:p>
+            <a:r>
+              <a:rPr lang="en-US" dirty="0" smtClean="0">
+                <a:solidFill>
+                  <a:schemeClr val="tx1"/>
+                </a:solidFill>
+              </a:rPr>
+              <a:t>The app is written in java and xml for design on tools Eclipse 4.2 </a:t>
+            </a:r>
+            <a:r>
+              <a:rPr lang="en-US" dirty="0" err="1" smtClean="0">
+                <a:solidFill>
+                  <a:schemeClr val="tx1"/>
+                </a:solidFill>
+              </a:rPr>
+              <a:t>Kepler</a:t>
+            </a:r>
+            <a:r>
+              <a:rPr lang="en-US" dirty="0" smtClean="0">
+                <a:solidFill>
+                  <a:schemeClr val="tx1"/>
+                </a:solidFill>
+              </a:rPr>
+              <a:t>.</a:t>
+            </a:r>
+          </a:p>
+          <a:p>
+            <a:r>
+              <a:rPr lang="en-US" dirty="0" smtClean="0">
+                <a:solidFill>
+                  <a:schemeClr val="tx1"/>
+                </a:solidFill>
+              </a:rPr>
+              <a:t>The core library were use in project was Open CV library for android version 2.4.8.</a:t>
+            </a:r>
+          </a:p>
+          <a:p>
+            <a:r>
+              <a:rPr lang="en-US" dirty="0" smtClean="0">
+                <a:solidFill>
+                  <a:schemeClr val="tx1"/>
+                </a:solidFill>
+              </a:rPr>
+              <a:t>Another library used was </a:t>
+            </a:r>
+            <a:r>
+              <a:rPr lang="en-US" dirty="0" err="1" smtClean="0">
+                <a:solidFill>
+                  <a:schemeClr val="tx1"/>
+                </a:solidFill>
+              </a:rPr>
+              <a:t>AmbilWarnaColorPicker</a:t>
+            </a:r>
+            <a:endParaRPr lang="en-US" dirty="0" smtClean="0">
+              <a:solidFill>
+                <a:schemeClr val="tx1"/>
+              </a:solidFill>
+            </a:endParaRPr>
+          </a:p>
+          <a:p>
+            <a:r>
+              <a:rPr lang="en-US" dirty="0" smtClean="0">
+                <a:solidFill>
+                  <a:schemeClr val="tx1"/>
+                </a:solidFill>
+              </a:rPr>
+              <a:t>The OS on these tools used were Windows 8.1.</a:t>
+            </a:r>
+          </a:p>
+          <a:p>
+            <a:endParaRPr lang="en-US" dirty="0" smtClean="0">
+              <a:solidFill>
+                <a:schemeClr val="tx1"/>
+              </a:solidFill>
+            </a:endParaRPr>
+          </a:p>
+          <a:p>
+            <a:pPr marL="0" indent="0">
+              <a:buNone/>
+            </a:pPr>
+            <a:endParaRPr lang="en-US" dirty="0" smtClean="0">
+              <a:solidFill>
+                <a:schemeClr val="tx1"/>
+              </a:solidFill>
+            </a:endParaRPr>
+          </a:p>
+        </p:txBody>
+      </p:sp>
+    </p:spTree>
+    <p:extLst>
+      <p:ext uri="{BB962C8B-B14F-4D97-AF65-F5344CB8AC3E}">
+        <p14:creationId xmlns:p14="http://schemas.microsoft.com/office/powerpoint/2010/main" val="4213273795"/>
+      </p:ext>
+    </p:extLst>
+  </p:cSld>
+  <p:clrMapOvr>
+    <a:masterClrMapping/>
+  </p:clrMapOvr>
+</p:sld>
+</file>
+
+<file path=ppt/slides/slide13.xml><?xml version="1.0" encoding="utf-8"?>
+<p:sld xmlns:a="http://schemas.openxmlformats.org/drawingml/2006/main" xmlns:r="http://schemas.openxmlformats.org/officeDocument/2006/relationships" xmlns:p="http://schemas.openxmlformats.org/presentationml/2006/main">
+  <p:cSld>
+    <p:spTree>
+      <p:nvGrpSpPr>
+        <p:cNvPr id="1" name=""/>
+        <p:cNvGrpSpPr/>
+        <p:nvPr/>
+      </p:nvGrpSpPr>
+      <p:grpSpPr>
+        <a:xfrm>
+          <a:off x="0" y="0"/>
+          <a:ext cx="0" cy="0"/>
+          <a:chOff x="0" y="0"/>
+          <a:chExt cx="0" cy="0"/>
+        </a:xfrm>
+      </p:grpSpPr>
+      <p:sp>
+        <p:nvSpPr>
+          <p:cNvPr id="2" name="Title 1"/>
+          <p:cNvSpPr>
+            <a:spLocks noGrp="1"/>
+          </p:cNvSpPr>
+          <p:nvPr>
+            <p:ph type="title"/>
+          </p:nvPr>
+        </p:nvSpPr>
+        <p:spPr/>
+        <p:txBody>
+          <a:bodyPr/>
+          <a:lstStyle/>
+          <a:p>
+            <a:r>
+              <a:rPr lang="en-US" dirty="0" smtClean="0"/>
+              <a:t>Canny Edge Detection</a:t>
+            </a:r>
+            <a:endParaRPr lang="en-US" dirty="0"/>
+          </a:p>
+        </p:txBody>
+      </p:sp>
+      <p:sp>
+        <p:nvSpPr>
+          <p:cNvPr id="3" name="Content Placeholder 2"/>
+          <p:cNvSpPr>
+            <a:spLocks noGrp="1"/>
+          </p:cNvSpPr>
+          <p:nvPr>
+            <p:ph idx="1"/>
+          </p:nvPr>
+        </p:nvSpPr>
+        <p:spPr/>
+        <p:txBody>
+          <a:bodyPr/>
+          <a:lstStyle/>
+          <a:p>
+            <a:r>
+              <a:rPr lang="en-US" dirty="0" smtClean="0">
+                <a:solidFill>
+                  <a:schemeClr val="tx1"/>
+                </a:solidFill>
+              </a:rPr>
+              <a:t>The main algorithm we used from OpenCV library for edge detection is Canny.</a:t>
+            </a:r>
+          </a:p>
+        </p:txBody>
+      </p:sp>
+    </p:spTree>
+    <p:extLst>
+      <p:ext uri="{BB962C8B-B14F-4D97-AF65-F5344CB8AC3E}">
+        <p14:creationId xmlns:p14="http://schemas.microsoft.com/office/powerpoint/2010/main" val="2178229530"/>
+      </p:ext>
+    </p:extLst>
+  </p:cSld>
+  <p:clrMapOvr>
+    <a:masterClrMapping/>
+  </p:clrMapOvr>
+</p:sld>
+</file>
+
+<file path=ppt/slides/slide14.xml><?xml version="1.0" encoding="utf-8"?>
+<p:sld xmlns:a="http://schemas.openxmlformats.org/drawingml/2006/main" xmlns:r="http://schemas.openxmlformats.org/officeDocument/2006/relationships" xmlns:p="http://schemas.openxmlformats.org/presentationml/2006/main">
+  <p:cSld>
+    <p:spTree>
+      <p:nvGrpSpPr>
+        <p:cNvPr id="1" name=""/>
+        <p:cNvGrpSpPr/>
+        <p:nvPr/>
+      </p:nvGrpSpPr>
+      <p:grpSpPr>
+        <a:xfrm>
+          <a:off x="0" y="0"/>
+          <a:ext cx="0" cy="0"/>
+          <a:chOff x="0" y="0"/>
+          <a:chExt cx="0" cy="0"/>
+        </a:xfrm>
+      </p:grpSpPr>
+      <p:sp>
+        <p:nvSpPr>
+          <p:cNvPr id="2" name="Title 1"/>
+          <p:cNvSpPr>
+            <a:spLocks noGrp="1"/>
+          </p:cNvSpPr>
+          <p:nvPr>
+            <p:ph type="title"/>
+          </p:nvPr>
+        </p:nvSpPr>
+        <p:spPr/>
+        <p:txBody>
+          <a:bodyPr/>
+          <a:lstStyle/>
+          <a:p>
+            <a:r>
+              <a:rPr lang="en-US" sz="4800" b="1" u="sng" dirty="0" smtClean="0"/>
+              <a:t>Vital Equipment</a:t>
+            </a:r>
+            <a:endParaRPr lang="en-US" sz="4800" b="1" u="sng" dirty="0"/>
+          </a:p>
+        </p:txBody>
+      </p:sp>
+      <p:sp>
+        <p:nvSpPr>
+          <p:cNvPr id="3" name="Content Placeholder 2"/>
+          <p:cNvSpPr>
+            <a:spLocks noGrp="1"/>
+          </p:cNvSpPr>
+          <p:nvPr>
+            <p:ph idx="1"/>
+          </p:nvPr>
+        </p:nvSpPr>
+        <p:spPr/>
+        <p:txBody>
+          <a:bodyPr/>
+          <a:lstStyle/>
+          <a:p>
+            <a:endParaRPr lang="en-US"/>
+          </a:p>
+        </p:txBody>
+      </p:sp>
+    </p:spTree>
+    <p:extLst>
+      <p:ext uri="{BB962C8B-B14F-4D97-AF65-F5344CB8AC3E}">
+        <p14:creationId xmlns:p14="http://schemas.microsoft.com/office/powerpoint/2010/main" val="348687630"/>
+      </p:ext>
+    </p:extLst>
+  </p:cSld>
+  <p:clrMapOvr>
+    <a:masterClrMapping/>
+  </p:clrMapOvr>
+  <p:timing>
+    <p:tnLst>
+      <p:par>
+        <p:cTn id="1" dur="indefinite" restart="never" nodeType="tmRoot"/>
+      </p:par>
+    </p:tnLst>
+  </p:timing>
+</p:sld>
+</file>
+
+<file path=ppt/slides/slide15.xml><?xml version="1.0" encoding="utf-8"?>
+<p:sld xmlns:a="http://schemas.openxmlformats.org/drawingml/2006/main" xmlns:r="http://schemas.openxmlformats.org/officeDocument/2006/relationships" xmlns:p="http://schemas.openxmlformats.org/presentationml/2006/main">
+  <p:cSld>
+    <p:spTree>
+      <p:nvGrpSpPr>
+        <p:cNvPr id="1" name=""/>
+        <p:cNvGrpSpPr/>
+        <p:nvPr/>
+      </p:nvGrpSpPr>
+      <p:grpSpPr>
+        <a:xfrm>
+          <a:off x="0" y="0"/>
+          <a:ext cx="0" cy="0"/>
+          <a:chOff x="0" y="0"/>
+          <a:chExt cx="0" cy="0"/>
+        </a:xfrm>
+      </p:grpSpPr>
+      <p:sp>
+        <p:nvSpPr>
+          <p:cNvPr id="2" name="Title 1"/>
+          <p:cNvSpPr>
+            <a:spLocks noGrp="1"/>
+          </p:cNvSpPr>
+          <p:nvPr>
+            <p:ph type="title"/>
+          </p:nvPr>
+        </p:nvSpPr>
+        <p:spPr/>
+        <p:txBody>
+          <a:bodyPr/>
+          <a:lstStyle/>
+          <a:p>
+            <a:r>
+              <a:rPr lang="en-US" b="1" u="sng" dirty="0" smtClean="0">
+                <a:solidFill>
+                  <a:schemeClr val="accent1"/>
+                </a:solidFill>
+              </a:rPr>
+              <a:t>Conclusion</a:t>
+            </a:r>
+            <a:endParaRPr lang="en-US" b="1" u="sng" dirty="0">
+              <a:solidFill>
+                <a:schemeClr val="accent1"/>
+              </a:solidFill>
+            </a:endParaRPr>
+          </a:p>
+        </p:txBody>
+      </p:sp>
+      <p:sp>
+        <p:nvSpPr>
+          <p:cNvPr id="6" name="Rectangle 5"/>
+          <p:cNvSpPr/>
+          <p:nvPr/>
+        </p:nvSpPr>
+        <p:spPr>
+          <a:xfrm>
+            <a:off x="408709" y="1676400"/>
+            <a:ext cx="8153400" cy="1815882"/>
+          </a:xfrm>
+          <a:prstGeom prst="rect">
+            <a:avLst/>
+          </a:prstGeom>
+        </p:spPr>
+        <p:txBody>
+          <a:bodyPr wrap="square">
+            <a:spAutoFit/>
+          </a:bodyPr>
+          <a:lstStyle/>
+          <a:p>
+            <a:pPr lvl="0" algn="ctr"/>
+            <a:r>
+              <a:rPr lang="en-US" sz="2800" b="1" dirty="0" smtClean="0">
+                <a:solidFill>
+                  <a:schemeClr val="accent1"/>
+                </a:solidFill>
+              </a:rPr>
+              <a:t>Pre-visualization of your painted walls, ceils  etc.</a:t>
+            </a:r>
+          </a:p>
+          <a:p>
+            <a:pPr lvl="0" algn="ctr"/>
+            <a:r>
+              <a:rPr lang="en-US" sz="2800" b="1" dirty="0" smtClean="0">
+                <a:solidFill>
+                  <a:schemeClr val="accent1"/>
+                </a:solidFill>
+              </a:rPr>
+              <a:t>This tool will be helpful for pre planning of a room and Pre-visualization of your painted walls, ceils  </a:t>
+            </a:r>
+            <a:r>
+              <a:rPr lang="en-US" sz="2800" b="1" dirty="0" err="1" smtClean="0">
+                <a:solidFill>
+                  <a:schemeClr val="accent1"/>
+                </a:solidFill>
+              </a:rPr>
+              <a:t>etc</a:t>
+            </a:r>
+            <a:endParaRPr lang="en-US" sz="2800" b="1" dirty="0" smtClean="0">
+              <a:solidFill>
+                <a:schemeClr val="accent1"/>
+              </a:solidFill>
+            </a:endParaRPr>
+          </a:p>
+        </p:txBody>
+      </p:sp>
+      <p:pic>
+        <p:nvPicPr>
+          <p:cNvPr id="3075" name="Picture 3" descr="C:\Users\Iqra\Pictures\images (3).jpg"/>
+          <p:cNvPicPr>
+            <a:picLocks noChangeAspect="1" noChangeArrowheads="1"/>
+          </p:cNvPicPr>
+          <p:nvPr/>
+        </p:nvPicPr>
+        <p:blipFill>
+          <a:blip r:embed="rId2">
+            <a:extLst>
+              <a:ext uri="{28A0092B-C50C-407E-A947-70E740481C1C}">
+                <a14:useLocalDpi xmlns:a14="http://schemas.microsoft.com/office/drawing/2010/main" val="0"/>
+              </a:ext>
+            </a:extLst>
+          </a:blip>
+          <a:srcRect/>
+          <a:stretch>
+            <a:fillRect/>
+          </a:stretch>
+        </p:blipFill>
+        <p:spPr bwMode="auto">
+          <a:xfrm>
+            <a:off x="1371600" y="3492282"/>
+            <a:ext cx="6172200" cy="2679918"/>
+          </a:xfrm>
+          <a:prstGeom prst="rect">
+            <a:avLst/>
+          </a:prstGeom>
+          <a:noFill/>
+          <a:extLst>
+            <a:ext uri="{909E8E84-426E-40DD-AFC4-6F175D3DCCD1}">
+              <a14:hiddenFill xmlns:a14="http://schemas.microsoft.com/office/drawing/2010/main">
+                <a:solidFill>
+                  <a:srgbClr val="FFFFFF"/>
+                </a:solidFill>
+              </a14:hiddenFill>
+            </a:ext>
+          </a:extLst>
+        </p:spPr>
+      </p:pic>
+    </p:spTree>
+    <p:extLst>
+      <p:ext uri="{BB962C8B-B14F-4D97-AF65-F5344CB8AC3E}">
+        <p14:creationId xmlns:p14="http://schemas.microsoft.com/office/powerpoint/2010/main" val="723514684"/>
+      </p:ext>
+    </p:extLst>
+  </p:cSld>
+  <p:clrMapOvr>
+    <a:masterClrMapping/>
+  </p:clrMapOvr>
+  <p:timing>
+    <p:tnLst>
+      <p:par>
+        <p:cTn id="1" dur="indefinite" restart="never" nodeType="tmRoot"/>
+      </p:par>
+    </p:tnLst>
+  </p:timing>
+</p:sld>
+</file>
+
+<file path=ppt/slides/slide16.xml><?xml version="1.0" encoding="utf-8"?>
+<p:sld xmlns:a="http://schemas.openxmlformats.org/drawingml/2006/main" xmlns:r="http://schemas.openxmlformats.org/officeDocument/2006/relationships" xmlns:p="http://schemas.openxmlformats.org/presentationml/2006/main">
+  <p:cSld>
+    <p:spTree>
+      <p:nvGrpSpPr>
+        <p:cNvPr id="1" name=""/>
+        <p:cNvGrpSpPr/>
+        <p:nvPr/>
+      </p:nvGrpSpPr>
+      <p:grpSpPr>
+        <a:xfrm>
+          <a:off x="0" y="0"/>
+          <a:ext cx="0" cy="0"/>
+          <a:chOff x="0" y="0"/>
+          <a:chExt cx="0" cy="0"/>
+        </a:xfrm>
+      </p:grpSpPr>
       <p:pic>
         <p:nvPicPr>
           <p:cNvPr id="4" name="Content Placeholder 3"/>
@@ -3748,7 +4465,7 @@
 </p:sld>
 </file>
 
-<file path=ppt/slides/slide11.xml><?xml version="1.0" encoding="utf-8"?>
+<file path=ppt/slides/slide17.xml><?xml version="1.0" encoding="utf-8"?>
 <p:sld xmlns:a="http://schemas.openxmlformats.org/drawingml/2006/main" xmlns:r="http://schemas.openxmlformats.org/officeDocument/2006/relationships" xmlns:p="http://schemas.openxmlformats.org/presentationml/2006/main">
   <p:cSld>
     <p:spTree>
@@ -4964,10 +5681,13 @@
           <a:lstStyle/>
           <a:p>
             <a:r>
-              <a:rPr lang="en-US" sz="4800" b="1" u="sng" dirty="0" smtClean="0"/>
-              <a:t>Vital Equipment</a:t>
-            </a:r>
-            <a:endParaRPr lang="en-US" sz="4800" b="1" u="sng" dirty="0"/>
+              <a:rPr lang="en-US" dirty="0" smtClean="0"/>
+              <a:t>Scop</a:t>
+            </a:r>
+            <a:r>
+              <a:rPr lang="en-US" dirty="0"/>
+              <a:t>e</a:t>
+            </a:r>
           </a:p>
         </p:txBody>
       </p:sp>
@@ -4986,27 +5706,46 @@
           <a:bodyPr/>
           <a:lstStyle/>
           <a:p>
-            <a:endParaRPr lang="en-US"/>
+            <a:r>
+              <a:rPr lang="en-US" dirty="0">
+                <a:solidFill>
+                  <a:schemeClr val="tx1">
+                    <a:lumMod val="95000"/>
+                    <a:lumOff val="5000"/>
+                  </a:schemeClr>
+                </a:solidFill>
+              </a:rPr>
+              <a:t>This App can be used by Home owners, Color shops, under construction buildings because of time-saving and productivity benefits. This apps work on android platform and you can run it on any android device.</a:t>
+            </a:r>
+          </a:p>
+          <a:p>
+            <a:r>
+              <a:rPr lang="en-US" dirty="0">
+                <a:solidFill>
+                  <a:schemeClr val="tx1">
+                    <a:lumMod val="95000"/>
+                    <a:lumOff val="5000"/>
+                  </a:schemeClr>
+                </a:solidFill>
+              </a:rPr>
+              <a:t>It is also very effective for Paint industry for showing the customers the effects of their paint on the houses in real-time. This application can also be used as color visualizer.</a:t>
+            </a:r>
+          </a:p>
+          <a:p>
+            <a:endParaRPr lang="en-US" dirty="0"/>
           </a:p>
         </p:txBody>
       </p:sp>
     </p:spTree>
     <p:extLst>
       <p:ext uri="{BB962C8B-B14F-4D97-AF65-F5344CB8AC3E}">
-        <p14:creationId xmlns:p14="http://schemas.microsoft.com/office/powerpoint/2010/main" val="348687630"/>
+        <p14:creationId xmlns:p14="http://schemas.microsoft.com/office/powerpoint/2010/main" val="1610147308"/>
       </p:ext>
     </p:extLst>
   </p:cSld>
   <p:clrMapOvr>
     <a:masterClrMapping/>
   </p:clrMapOvr>
-  <p:timing>
-    <p:tnLst>
-      <p:par>
-        <p:cTn id="1" dur="indefinite" restart="never" nodeType="tmRoot"/>
-      </p:par>
-    </p:tnLst>
-  </p:timing>
 </p:sld>
 </file>
 
@@ -5043,136 +5782,101 @@
           <a:lstStyle/>
           <a:p>
             <a:r>
-              <a:rPr lang="en-US" b="1" u="sng" dirty="0" smtClean="0">
-                <a:solidFill>
-                  <a:schemeClr val="accent1"/>
+              <a:rPr lang="en-US" dirty="0" smtClean="0"/>
+              <a:t>Objectives &amp; Goals</a:t>
+            </a:r>
+            <a:endParaRPr lang="en-US" dirty="0"/>
+          </a:p>
+        </p:txBody>
+      </p:sp>
+      <p:sp>
+        <p:nvSpPr>
+          <p:cNvPr id="3" name="Content Placeholder 2"/>
+          <p:cNvSpPr>
+            <a:spLocks noGrp="1"/>
+          </p:cNvSpPr>
+          <p:nvPr>
+            <p:ph idx="1"/>
+          </p:nvPr>
+        </p:nvSpPr>
+        <p:spPr/>
+        <p:txBody>
+          <a:bodyPr/>
+          <a:lstStyle/>
+          <a:p>
+            <a:pPr lvl="0"/>
+            <a:r>
+              <a:rPr lang="en-US" dirty="0">
+                <a:solidFill>
+                  <a:schemeClr val="tx1"/>
                 </a:solidFill>
               </a:rPr>
-              <a:t>Conclusion</a:t>
-            </a:r>
-            <a:endParaRPr lang="en-US" b="1" u="sng" dirty="0">
+              <a:t>To allow homeowners to pre-visualize the effects of applying different colors on their walls, doors, ceilings, etc.</a:t>
+            </a:r>
+          </a:p>
+          <a:p>
+            <a:pPr lvl="0"/>
+            <a:r>
+              <a:rPr lang="en-US" dirty="0">
+                <a:solidFill>
+                  <a:schemeClr val="tx1"/>
+                </a:solidFill>
+              </a:rPr>
+              <a:t>To achieve the aforementioned goal using a mobile application objectives.</a:t>
+            </a:r>
+          </a:p>
+          <a:p>
+            <a:pPr lvl="0"/>
+            <a:r>
+              <a:rPr lang="en-US" dirty="0">
+                <a:solidFill>
+                  <a:schemeClr val="tx1"/>
+                </a:solidFill>
+              </a:rPr>
+              <a:t>To be able to identify different objects automatically using static images.</a:t>
+            </a:r>
+          </a:p>
+          <a:p>
+            <a:pPr lvl="0"/>
+            <a:r>
+              <a:rPr lang="en-US" dirty="0">
+                <a:solidFill>
+                  <a:schemeClr val="tx1"/>
+                </a:solidFill>
+              </a:rPr>
+              <a:t>To be able to change colors of the identified objects.</a:t>
+            </a:r>
+          </a:p>
+          <a:p>
+            <a:pPr lvl="0"/>
+            <a:r>
+              <a:rPr lang="en-US" dirty="0">
+                <a:solidFill>
+                  <a:schemeClr val="tx1"/>
+                </a:solidFill>
+              </a:rPr>
+              <a:t>To change colors keeping into account the light variations.</a:t>
+            </a:r>
+          </a:p>
+          <a:p>
+            <a:endParaRPr lang="en-US" dirty="0">
               <a:solidFill>
-                <a:schemeClr val="accent1"/>
+                <a:schemeClr val="tx1"/>
               </a:solidFill>
             </a:endParaRPr>
           </a:p>
         </p:txBody>
       </p:sp>
-      <p:sp>
-        <p:nvSpPr>
-          <p:cNvPr id="6" name="Rectangle 5"/>
-          <p:cNvSpPr/>
-          <p:nvPr/>
-        </p:nvSpPr>
-        <p:spPr>
-          <a:xfrm>
-            <a:off x="408709" y="1676400"/>
-            <a:ext cx="8153400" cy="1815882"/>
-          </a:xfrm>
-          <a:prstGeom prst="rect">
-            <a:avLst/>
-          </a:prstGeom>
-        </p:spPr>
-        <p:txBody>
-          <a:bodyPr wrap="square">
-            <a:spAutoFit/>
-          </a:bodyPr>
-          <a:lstStyle/>
-          <a:p>
-            <a:pPr lvl="0" algn="ctr"/>
-            <a:r>
-              <a:rPr lang="en-US" sz="2800" b="1" dirty="0" smtClean="0">
-                <a:solidFill>
-                  <a:schemeClr val="accent1"/>
-                </a:solidFill>
-              </a:rPr>
-              <a:t>Pre-visualization of your painted walls, ceils  etc.</a:t>
-            </a:r>
-          </a:p>
-          <a:p>
-            <a:pPr lvl="0" algn="ctr"/>
-            <a:r>
-              <a:rPr lang="en-US" sz="2800" b="1" dirty="0" smtClean="0">
-                <a:solidFill>
-                  <a:schemeClr val="accent1"/>
-                </a:solidFill>
-              </a:rPr>
-              <a:t>This tool will be helpful for pre planning of a room and Pre-visualization of your painted walls, ceils  </a:t>
-            </a:r>
-            <a:r>
-              <a:rPr lang="en-US" sz="2800" b="1" dirty="0" err="1" smtClean="0">
-                <a:solidFill>
-                  <a:schemeClr val="accent1"/>
-                </a:solidFill>
-              </a:rPr>
-              <a:t>etc</a:t>
-            </a:r>
-            <a:endParaRPr lang="en-US" sz="2800" b="1" dirty="0" smtClean="0">
-              <a:solidFill>
-                <a:schemeClr val="accent1"/>
-              </a:solidFill>
-            </a:endParaRPr>
-          </a:p>
-        </p:txBody>
-      </p:sp>
-      <p:pic>
-        <p:nvPicPr>
-          <p:cNvPr id="3075" name="Picture 3" descr="C:\Users\Iqra\Pictures\images (3).jpg"/>
-          <p:cNvPicPr>
-            <a:picLocks noChangeAspect="1" noChangeArrowheads="1"/>
-          </p:cNvPicPr>
-          <p:nvPr/>
-        </p:nvPicPr>
-        <p:blipFill>
-          <a:blip r:embed="rId2">
-            <a:extLst>
-              <a:ext uri="{28A0092B-C50C-407E-A947-70E740481C1C}">
-                <a14:useLocalDpi xmlns:a14="http://schemas.microsoft.com/office/drawing/2010/main" val="0"/>
-              </a:ext>
-            </a:extLst>
-          </a:blip>
-          <a:srcRect/>
-          <a:stretch>
-            <a:fillRect/>
-          </a:stretch>
-        </p:blipFill>
-        <p:spPr bwMode="auto">
-          <a:xfrm>
-            <a:off x="1371600" y="3492282"/>
-            <a:ext cx="6172200" cy="2679918"/>
-          </a:xfrm>
-          <a:prstGeom prst="rect">
-            <a:avLst/>
-          </a:prstGeom>
-          <a:noFill/>
-          <a:extLst>
-            <a:ext uri="{909E8E84-426E-40DD-AFC4-6F175D3DCCD1}">
-              <a14:hiddenFill xmlns:a14="http://schemas.microsoft.com/office/drawing/2010/main">
-                <a:solidFill>
-                  <a:srgbClr val="FFFFFF"/>
-                </a:solidFill>
-              </a14:hiddenFill>
-            </a:ext>
-          </a:extLst>
-        </p:spPr>
-      </p:pic>
     </p:spTree>
     <p:extLst>
       <p:ext uri="{BB962C8B-B14F-4D97-AF65-F5344CB8AC3E}">
-        <p14:creationId xmlns:p14="http://schemas.microsoft.com/office/powerpoint/2010/main" val="723514684"/>
+        <p14:creationId xmlns:p14="http://schemas.microsoft.com/office/powerpoint/2010/main" val="1843002086"/>
       </p:ext>
     </p:extLst>
   </p:cSld>
   <p:clrMapOvr>
     <a:masterClrMapping/>
   </p:clrMapOvr>
-  <p:timing>
-    <p:tnLst>
-      <p:par>
-        <p:cTn id="1" dur="indefinite" restart="never" nodeType="tmRoot"/>
-      </p:par>
-    </p:tnLst>
-  </p:timing>
 </p:sld>
 </file>
 
